--- a/Semester Project Presentation.pptx
+++ b/Semester Project Presentation.pptx
@@ -122,6 +122,11 @@
       </a:defRPr>
     </a:lvl9pPr>
   </p:defaultTextStyle>
+  <p:extLst>
+    <p:ext uri="{EFAFB233-063F-42B5-8137-9DF3F51BA10A}">
+      <p15:sldGuideLst xmlns:p15="http://schemas.microsoft.com/office/powerpoint/2012/main"/>
+    </p:ext>
+  </p:extLst>
 </p:presentation>
 </file>
 
@@ -456,7 +461,7 @@
           <a:p>
             <a:fld id="{FBA005AD-4441-4876-BA9E-E9E355D36ED5}" type="datetimeFigureOut">
               <a:rPr lang="en-US" smtClean="0"/>
-              <a:t>12/3/2015</a:t>
+              <a:t>12/4/2015</a:t>
             </a:fld>
             <a:endParaRPr lang="en-US"/>
           </a:p>
@@ -780,7 +785,7 @@
           <a:p>
             <a:fld id="{FBA005AD-4441-4876-BA9E-E9E355D36ED5}" type="datetimeFigureOut">
               <a:rPr lang="en-US" smtClean="0"/>
-              <a:t>12/3/2015</a:t>
+              <a:t>12/4/2015</a:t>
             </a:fld>
             <a:endParaRPr lang="en-US"/>
           </a:p>
@@ -1028,7 +1033,7 @@
           <a:p>
             <a:fld id="{FBA005AD-4441-4876-BA9E-E9E355D36ED5}" type="datetimeFigureOut">
               <a:rPr lang="en-US" smtClean="0"/>
-              <a:t>12/3/2015</a:t>
+              <a:t>12/4/2015</a:t>
             </a:fld>
             <a:endParaRPr lang="en-US"/>
           </a:p>
@@ -1367,7 +1372,7 @@
           <a:p>
             <a:fld id="{FBA005AD-4441-4876-BA9E-E9E355D36ED5}" type="datetimeFigureOut">
               <a:rPr lang="en-US" smtClean="0"/>
-              <a:t>12/3/2015</a:t>
+              <a:t>12/4/2015</a:t>
             </a:fld>
             <a:endParaRPr lang="en-US"/>
           </a:p>
@@ -1714,7 +1719,7 @@
           <a:p>
             <a:fld id="{FBA005AD-4441-4876-BA9E-E9E355D36ED5}" type="datetimeFigureOut">
               <a:rPr lang="en-US" smtClean="0"/>
-              <a:t>12/3/2015</a:t>
+              <a:t>12/4/2015</a:t>
             </a:fld>
             <a:endParaRPr lang="en-US"/>
           </a:p>
@@ -2088,7 +2093,7 @@
           <a:p>
             <a:fld id="{FBA005AD-4441-4876-BA9E-E9E355D36ED5}" type="datetimeFigureOut">
               <a:rPr lang="en-US" smtClean="0"/>
-              <a:t>12/3/2015</a:t>
+              <a:t>12/4/2015</a:t>
             </a:fld>
             <a:endParaRPr lang="en-US"/>
           </a:p>
@@ -2558,7 +2563,7 @@
           <a:p>
             <a:fld id="{FBA005AD-4441-4876-BA9E-E9E355D36ED5}" type="datetimeFigureOut">
               <a:rPr lang="en-US" smtClean="0"/>
-              <a:t>12/3/2015</a:t>
+              <a:t>12/4/2015</a:t>
             </a:fld>
             <a:endParaRPr lang="en-US"/>
           </a:p>
@@ -5342,7 +5347,7 @@
           <a:p>
             <a:fld id="{FBA005AD-4441-4876-BA9E-E9E355D36ED5}" type="datetimeFigureOut">
               <a:rPr lang="en-US" smtClean="0"/>
-              <a:t>12/3/2015</a:t>
+              <a:t>12/4/2015</a:t>
             </a:fld>
             <a:endParaRPr lang="en-US"/>
           </a:p>
@@ -5902,14 +5907,22 @@
           <a:p>
             <a:r>
               <a:rPr lang="en-US" dirty="0" smtClean="0"/>
-              <a:t>Semester Project</a:t>
+              <a:t>Semester </a:t>
+            </a:r>
+            <a:r>
+              <a:rPr lang="en-US" dirty="0" smtClean="0"/>
+              <a:t>Project:</a:t>
+            </a:r>
+            <a:r>
+              <a:rPr lang="en-US" dirty="0" smtClean="0"/>
+              <a:t/>
             </a:r>
             <a:br>
               <a:rPr lang="en-US" dirty="0" smtClean="0"/>
             </a:br>
             <a:r>
               <a:rPr lang="en-US" dirty="0" smtClean="0"/>
-              <a:t>Presentation</a:t>
+              <a:t>Library</a:t>
             </a:r>
             <a:endParaRPr lang="en-US" dirty="0"/>
           </a:p>
@@ -6188,6 +6201,13 @@
   <p:clrMapOvr>
     <a:masterClrMapping/>
   </p:clrMapOvr>
+  <p:timing>
+    <p:tnLst>
+      <p:par>
+        <p:cTn id="1" dur="indefinite" restart="never" nodeType="tmRoot"/>
+      </p:par>
+    </p:tnLst>
+  </p:timing>
 </p:sld>
 </file>
 

--- a/Semester Project Presentation.pptx
+++ b/Semester Project Presentation.pptx
@@ -24,6 +24,7 @@
     <p:sldId id="259" r:id="rId18"/>
     <p:sldId id="260" r:id="rId19"/>
     <p:sldId id="258" r:id="rId20"/>
+    <p:sldId id="280" r:id="rId21"/>
   </p:sldIdLst>
   <p:sldSz cx="12192000" cy="6858000"/>
   <p:notesSz cx="6858000" cy="9144000"/>
@@ -5907,15 +5908,7 @@
           <a:p>
             <a:r>
               <a:rPr lang="en-US" dirty="0" smtClean="0"/>
-              <a:t>Semester </a:t>
-            </a:r>
-            <a:r>
-              <a:rPr lang="en-US" dirty="0" smtClean="0"/>
-              <a:t>Project:</a:t>
-            </a:r>
-            <a:r>
-              <a:rPr lang="en-US" dirty="0" smtClean="0"/>
-              <a:t/>
+              <a:t>Semester Project:</a:t>
             </a:r>
             <a:br>
               <a:rPr lang="en-US" dirty="0" smtClean="0"/>
@@ -5974,6 +5967,13 @@
   <p:clrMapOvr>
     <a:masterClrMapping/>
   </p:clrMapOvr>
+  <p:timing>
+    <p:tnLst>
+      <p:par>
+        <p:cTn id="1" dur="indefinite" restart="never" nodeType="tmRoot"/>
+      </p:par>
+    </p:tnLst>
+  </p:timing>
 </p:sld>
 </file>
 
@@ -7153,6 +7153,104 @@
   <p:clrMapOvr>
     <a:masterClrMapping/>
   </p:clrMapOvr>
+  <p:timing>
+    <p:tnLst>
+      <p:par>
+        <p:cTn id="1" dur="indefinite" restart="never" nodeType="tmRoot"/>
+      </p:par>
+    </p:tnLst>
+  </p:timing>
+</p:sld>
+</file>
+
+<file path=ppt/slides/slide20.xml><?xml version="1.0" encoding="utf-8"?>
+<p:sld xmlns:a="http://schemas.openxmlformats.org/drawingml/2006/main" xmlns:r="http://schemas.openxmlformats.org/officeDocument/2006/relationships" xmlns:p="http://schemas.openxmlformats.org/presentationml/2006/main">
+  <p:cSld>
+    <p:spTree>
+      <p:nvGrpSpPr>
+        <p:cNvPr id="1" name=""/>
+        <p:cNvGrpSpPr/>
+        <p:nvPr/>
+      </p:nvGrpSpPr>
+      <p:grpSpPr>
+        <a:xfrm>
+          <a:off x="0" y="0"/>
+          <a:ext cx="0" cy="0"/>
+          <a:chOff x="0" y="0"/>
+          <a:chExt cx="0" cy="0"/>
+        </a:xfrm>
+      </p:grpSpPr>
+      <p:sp>
+        <p:nvSpPr>
+          <p:cNvPr id="2" name="Title 1"/>
+          <p:cNvSpPr>
+            <a:spLocks noGrp="1"/>
+          </p:cNvSpPr>
+          <p:nvPr>
+            <p:ph type="title"/>
+          </p:nvPr>
+        </p:nvSpPr>
+        <p:spPr/>
+        <p:txBody>
+          <a:bodyPr/>
+          <a:lstStyle/>
+          <a:p>
+            <a:r>
+              <a:rPr lang="en-US" dirty="0" smtClean="0"/>
+              <a:t>API Main</a:t>
+            </a:r>
+            <a:endParaRPr lang="en-US" dirty="0"/>
+          </a:p>
+        </p:txBody>
+      </p:sp>
+      <p:sp>
+        <p:nvSpPr>
+          <p:cNvPr id="3" name="Content Placeholder 2"/>
+          <p:cNvSpPr>
+            <a:spLocks noGrp="1"/>
+          </p:cNvSpPr>
+          <p:nvPr>
+            <p:ph idx="1"/>
+          </p:nvPr>
+        </p:nvSpPr>
+        <p:spPr/>
+        <p:txBody>
+          <a:bodyPr/>
+          <a:lstStyle/>
+          <a:p>
+            <a:r>
+              <a:rPr lang="en-US" dirty="0" smtClean="0">
+                <a:hlinkClick r:id="rId2" action="ppaction://hlinkfile"/>
+              </a:rPr>
+              <a:t>API </a:t>
+            </a:r>
+            <a:r>
+              <a:rPr lang="en-US" dirty="0" err="1" smtClean="0">
+                <a:hlinkClick r:id="rId2" action="ppaction://hlinkfile"/>
+              </a:rPr>
+              <a:t>SoftwareProject</a:t>
+            </a:r>
+            <a:endParaRPr lang="en-US" dirty="0"/>
+          </a:p>
+        </p:txBody>
+      </p:sp>
+    </p:spTree>
+    <p:extLst>
+      <p:ext uri="{BB962C8B-B14F-4D97-AF65-F5344CB8AC3E}">
+        <p14:creationId xmlns:p14="http://schemas.microsoft.com/office/powerpoint/2010/main" val="1199870870"/>
+      </p:ext>
+    </p:extLst>
+  </p:cSld>
+  <p:clrMapOvr>
+    <a:masterClrMapping/>
+  </p:clrMapOvr>
+  <p:timing>
+    <p:tnLst>
+      <p:par>
+        <p:cTn id="1" dur="indefinite" restart="never" nodeType="tmRoot"/>
+      </p:par>
+    </p:tnLst>
+  </p:timing>
 </p:sld>
 </file>
 
@@ -7250,6 +7348,13 @@
   <p:clrMapOvr>
     <a:masterClrMapping/>
   </p:clrMapOvr>
+  <p:timing>
+    <p:tnLst>
+      <p:par>
+        <p:cTn id="1" dur="indefinite" restart="never" nodeType="tmRoot"/>
+      </p:par>
+    </p:tnLst>
+  </p:timing>
 </p:sld>
 </file>
 
@@ -7327,6 +7432,13 @@
   <p:clrMapOvr>
     <a:masterClrMapping/>
   </p:clrMapOvr>
+  <p:timing>
+    <p:tnLst>
+      <p:par>
+        <p:cTn id="1" dur="indefinite" restart="never" nodeType="tmRoot"/>
+      </p:par>
+    </p:tnLst>
+  </p:timing>
 </p:sld>
 </file>
 
@@ -7424,6 +7536,13 @@
   <p:clrMapOvr>
     <a:masterClrMapping/>
   </p:clrMapOvr>
+  <p:timing>
+    <p:tnLst>
+      <p:par>
+        <p:cTn id="1" dur="indefinite" restart="never" nodeType="tmRoot"/>
+      </p:par>
+    </p:tnLst>
+  </p:timing>
 </p:sld>
 </file>
 
@@ -7551,6 +7670,13 @@
   <p:clrMapOvr>
     <a:masterClrMapping/>
   </p:clrMapOvr>
+  <p:timing>
+    <p:tnLst>
+      <p:par>
+        <p:cTn id="1" dur="indefinite" restart="never" nodeType="tmRoot"/>
+      </p:par>
+    </p:tnLst>
+  </p:timing>
 </p:sld>
 </file>
 
@@ -7648,6 +7774,13 @@
   <p:clrMapOvr>
     <a:masterClrMapping/>
   </p:clrMapOvr>
+  <p:timing>
+    <p:tnLst>
+      <p:par>
+        <p:cTn id="1" dur="indefinite" restart="never" nodeType="tmRoot"/>
+      </p:par>
+    </p:tnLst>
+  </p:timing>
 </p:sld>
 </file>
 
